--- a/OOP_Final_Project.pptx
+++ b/OOP_Final_Project.pptx
@@ -5,7 +5,7 @@
     <p:sldMasterId id="2147483648" r:id="rId1"/>
   </p:sldMasterIdLst>
   <p:notesMasterIdLst>
-    <p:notesMasterId r:id="rId15"/>
+    <p:notesMasterId r:id="rId16"/>
   </p:notesMasterIdLst>
   <p:sldIdLst>
     <p:sldId id="256" r:id="rId2"/>
@@ -21,6 +21,7 @@
     <p:sldId id="264" r:id="rId12"/>
     <p:sldId id="265" r:id="rId13"/>
     <p:sldId id="266" r:id="rId14"/>
+    <p:sldId id="270" r:id="rId15"/>
   </p:sldIdLst>
   <p:sldSz cx="12192000" cy="6858000"/>
   <p:notesSz cx="6858000" cy="9144000"/>
@@ -906,10 +907,9 @@
               <a:t>github</a:t>
             </a:r>
             <a:r>
-              <a:rPr lang="zh-TW" altLang="en-US"/>
+              <a:rPr lang="zh-TW" altLang="en-US" dirty="0"/>
               <a:t>上面，有興趣的同學也可以去下載來用</a:t>
             </a:r>
-            <a:endParaRPr lang="zh-TW" altLang="en-US" dirty="0"/>
           </a:p>
         </p:txBody>
       </p:sp>
@@ -940,6 +940,101 @@
     <p:extLst>
       <p:ext uri="{BB962C8B-B14F-4D97-AF65-F5344CB8AC3E}">
         <p14:creationId xmlns:p14="http://schemas.microsoft.com/office/powerpoint/2010/main" val="94444258"/>
+      </p:ext>
+    </p:extLst>
+  </p:cSld>
+  <p:clrMapOvr>
+    <a:masterClrMapping/>
+  </p:clrMapOvr>
+</p:notes>
+</file>
+
+<file path=ppt/notesSlides/notesSlide14.xml><?xml version="1.0" encoding="utf-8"?>
+<p:notes xmlns:a="http://schemas.openxmlformats.org/drawingml/2006/main" xmlns:r="http://schemas.openxmlformats.org/officeDocument/2006/relationships" xmlns:p="http://schemas.openxmlformats.org/presentationml/2006/main">
+  <p:cSld>
+    <p:spTree>
+      <p:nvGrpSpPr>
+        <p:cNvPr id="1" name=""/>
+        <p:cNvGrpSpPr/>
+        <p:nvPr/>
+      </p:nvGrpSpPr>
+      <p:grpSpPr>
+        <a:xfrm>
+          <a:off x="0" y="0"/>
+          <a:ext cx="0" cy="0"/>
+          <a:chOff x="0" y="0"/>
+          <a:chExt cx="0" cy="0"/>
+        </a:xfrm>
+      </p:grpSpPr>
+      <p:sp>
+        <p:nvSpPr>
+          <p:cNvPr id="2" name="投影片影像版面配置區 1"/>
+          <p:cNvSpPr>
+            <a:spLocks noGrp="1" noRot="1" noChangeAspect="1"/>
+          </p:cNvSpPr>
+          <p:nvPr>
+            <p:ph type="sldImg"/>
+          </p:nvPr>
+        </p:nvSpPr>
+        <p:spPr/>
+      </p:sp>
+      <p:sp>
+        <p:nvSpPr>
+          <p:cNvPr id="3" name="備忘稿版面配置區 2"/>
+          <p:cNvSpPr>
+            <a:spLocks noGrp="1"/>
+          </p:cNvSpPr>
+          <p:nvPr>
+            <p:ph type="body" idx="1"/>
+          </p:nvPr>
+        </p:nvSpPr>
+        <p:spPr/>
+        <p:txBody>
+          <a:bodyPr/>
+          <a:lstStyle/>
+          <a:p>
+            <a:r>
+              <a:rPr lang="zh-TW" altLang="en-US" dirty="0"/>
+              <a:t>那接下來我們來實際演練我們的程式，那我也有將我的程式放在</a:t>
+            </a:r>
+            <a:r>
+              <a:rPr lang="en-US" altLang="zh-TW" dirty="0" err="1"/>
+              <a:t>github</a:t>
+            </a:r>
+            <a:r>
+              <a:rPr lang="zh-TW" altLang="en-US" dirty="0"/>
+              <a:t>上面，有興趣的同學也可以去下載來用</a:t>
+            </a:r>
+          </a:p>
+        </p:txBody>
+      </p:sp>
+      <p:sp>
+        <p:nvSpPr>
+          <p:cNvPr id="4" name="投影片編號版面配置區 3"/>
+          <p:cNvSpPr>
+            <a:spLocks noGrp="1"/>
+          </p:cNvSpPr>
+          <p:nvPr>
+            <p:ph type="sldNum" sz="quarter" idx="5"/>
+          </p:nvPr>
+        </p:nvSpPr>
+        <p:spPr/>
+        <p:txBody>
+          <a:bodyPr/>
+          <a:lstStyle/>
+          <a:p>
+            <a:fld id="{ACA81EC8-0D38-4E32-AE6E-21289E5382DC}" type="slidenum">
+              <a:rPr lang="zh-TW" altLang="en-US" smtClean="0"/>
+              <a:t>14</a:t>
+            </a:fld>
+            <a:endParaRPr lang="zh-TW" altLang="en-US"/>
+          </a:p>
+        </p:txBody>
+      </p:sp>
+    </p:spTree>
+    <p:extLst>
+      <p:ext uri="{BB962C8B-B14F-4D97-AF65-F5344CB8AC3E}">
+        <p14:creationId xmlns:p14="http://schemas.microsoft.com/office/powerpoint/2010/main" val="72635801"/>
       </p:ext>
     </p:extLst>
   </p:cSld>
@@ -5563,6 +5658,147 @@
           </a:prstGeom>
         </p:spPr>
       </p:pic>
+      <p:sp>
+        <p:nvSpPr>
+          <p:cNvPr id="2" name="文字方塊 1">
+            <a:extLst>
+              <a:ext uri="{FF2B5EF4-FFF2-40B4-BE49-F238E27FC236}">
+                <a16:creationId xmlns:a16="http://schemas.microsoft.com/office/drawing/2014/main" id="{934856BD-F849-FE71-0D70-0520EC9C4570}"/>
+              </a:ext>
+            </a:extLst>
+          </p:cNvPr>
+          <p:cNvSpPr txBox="1"/>
+          <p:nvPr/>
+        </p:nvSpPr>
+        <p:spPr>
+          <a:xfrm>
+            <a:off x="2871112" y="4746171"/>
+            <a:ext cx="1091004" cy="646331"/>
+          </a:xfrm>
+          <a:prstGeom prst="rect">
+            <a:avLst/>
+          </a:prstGeom>
+          <a:noFill/>
+        </p:spPr>
+        <p:txBody>
+          <a:bodyPr wrap="none" rtlCol="0">
+            <a:spAutoFit/>
+          </a:bodyPr>
+          <a:lstStyle/>
+          <a:p>
+            <a:pPr algn="ctr"/>
+            <a:r>
+              <a:rPr lang="en-US" altLang="zh-TW" dirty="0">
+                <a:latin typeface="Times New Roman" panose="02020603050405020304" pitchFamily="18" charset="0"/>
+                <a:cs typeface="Times New Roman" panose="02020603050405020304" pitchFamily="18" charset="0"/>
+              </a:rPr>
+              <a:t>Map</a:t>
+            </a:r>
+          </a:p>
+          <a:p>
+            <a:pPr algn="ctr"/>
+            <a:r>
+              <a:rPr lang="en-US" altLang="zh-TW" dirty="0" err="1">
+                <a:latin typeface="Times New Roman" panose="02020603050405020304" pitchFamily="18" charset="0"/>
+                <a:cs typeface="Times New Roman" panose="02020603050405020304" pitchFamily="18" charset="0"/>
+              </a:rPr>
+              <a:t>Diffiuclty</a:t>
+            </a:r>
+            <a:endParaRPr lang="zh-TW" altLang="en-US" dirty="0">
+              <a:latin typeface="Times New Roman" panose="02020603050405020304" pitchFamily="18" charset="0"/>
+              <a:cs typeface="Times New Roman" panose="02020603050405020304" pitchFamily="18" charset="0"/>
+            </a:endParaRPr>
+          </a:p>
+        </p:txBody>
+      </p:sp>
+      <p:cxnSp>
+        <p:nvCxnSpPr>
+          <p:cNvPr id="9" name="直線單箭頭接點 8">
+            <a:extLst>
+              <a:ext uri="{FF2B5EF4-FFF2-40B4-BE49-F238E27FC236}">
+                <a16:creationId xmlns:a16="http://schemas.microsoft.com/office/drawing/2014/main" id="{AADB7DB5-7C56-6182-1C31-B0D5871A2036}"/>
+              </a:ext>
+            </a:extLst>
+          </p:cNvPr>
+          <p:cNvCxnSpPr>
+            <a:cxnSpLocks/>
+          </p:cNvCxnSpPr>
+          <p:nvPr/>
+        </p:nvCxnSpPr>
+        <p:spPr>
+          <a:xfrm flipV="1">
+            <a:off x="4082143" y="4876800"/>
+            <a:ext cx="0" cy="490877"/>
+          </a:xfrm>
+          <a:prstGeom prst="straightConnector1">
+            <a:avLst/>
+          </a:prstGeom>
+          <a:ln w="28575">
+            <a:solidFill>
+              <a:schemeClr val="tx1"/>
+            </a:solidFill>
+            <a:tailEnd type="triangle"/>
+          </a:ln>
+        </p:spPr>
+        <p:style>
+          <a:lnRef idx="1">
+            <a:schemeClr val="accent1"/>
+          </a:lnRef>
+          <a:fillRef idx="0">
+            <a:schemeClr val="accent1"/>
+          </a:fillRef>
+          <a:effectRef idx="0">
+            <a:schemeClr val="accent1"/>
+          </a:effectRef>
+          <a:fontRef idx="minor">
+            <a:schemeClr val="tx1"/>
+          </a:fontRef>
+        </p:style>
+      </p:cxnSp>
+      <p:cxnSp>
+        <p:nvCxnSpPr>
+          <p:cNvPr id="14" name="直線單箭頭接點 13">
+            <a:extLst>
+              <a:ext uri="{FF2B5EF4-FFF2-40B4-BE49-F238E27FC236}">
+                <a16:creationId xmlns:a16="http://schemas.microsoft.com/office/drawing/2014/main" id="{9C284F93-54AF-4672-13C9-53AC32CCFB80}"/>
+              </a:ext>
+            </a:extLst>
+          </p:cNvPr>
+          <p:cNvCxnSpPr>
+            <a:cxnSpLocks/>
+          </p:cNvCxnSpPr>
+          <p:nvPr/>
+        </p:nvCxnSpPr>
+        <p:spPr>
+          <a:xfrm>
+            <a:off x="4234543" y="4876800"/>
+            <a:ext cx="0" cy="490877"/>
+          </a:xfrm>
+          <a:prstGeom prst="straightConnector1">
+            <a:avLst/>
+          </a:prstGeom>
+          <a:ln w="28575">
+            <a:solidFill>
+              <a:schemeClr val="tx1"/>
+            </a:solidFill>
+            <a:tailEnd type="triangle"/>
+          </a:ln>
+        </p:spPr>
+        <p:style>
+          <a:lnRef idx="1">
+            <a:schemeClr val="accent1"/>
+          </a:lnRef>
+          <a:fillRef idx="0">
+            <a:schemeClr val="accent1"/>
+          </a:fillRef>
+          <a:effectRef idx="0">
+            <a:schemeClr val="accent1"/>
+          </a:effectRef>
+          <a:fontRef idx="minor">
+            <a:schemeClr val="tx1"/>
+          </a:fontRef>
+        </p:style>
+      </p:cxnSp>
     </p:spTree>
     <p:extLst>
       <p:ext uri="{BB962C8B-B14F-4D97-AF65-F5344CB8AC3E}">
@@ -6644,8 +6880,8 @@
         </p:blipFill>
         <p:spPr>
           <a:xfrm>
-            <a:off x="6474578" y="1978386"/>
-            <a:ext cx="5105400" cy="3159550"/>
+            <a:off x="5794136" y="1629520"/>
+            <a:ext cx="6138651" cy="3798992"/>
           </a:xfrm>
           <a:prstGeom prst="rect">
             <a:avLst/>
@@ -6821,10 +7057,231 @@
           </a:ln>
         </p:spPr>
       </p:pic>
+      <p:pic>
+        <p:nvPicPr>
+          <p:cNvPr id="3" name="圖片 2">
+            <a:extLst>
+              <a:ext uri="{FF2B5EF4-FFF2-40B4-BE49-F238E27FC236}">
+                <a16:creationId xmlns:a16="http://schemas.microsoft.com/office/drawing/2014/main" id="{57CDEAA6-A62A-341F-7905-9727698CB042}"/>
+              </a:ext>
+            </a:extLst>
+          </p:cNvPr>
+          <p:cNvPicPr>
+            <a:picLocks noChangeAspect="1"/>
+          </p:cNvPicPr>
+          <p:nvPr/>
+        </p:nvPicPr>
+        <p:blipFill>
+          <a:blip r:embed="rId4">
+            <a:extLst>
+              <a:ext uri="{28A0092B-C50C-407E-A947-70E740481C1C}">
+                <a14:useLocalDpi xmlns:a14="http://schemas.microsoft.com/office/drawing/2010/main" val="0"/>
+              </a:ext>
+            </a:extLst>
+          </a:blip>
+          <a:stretch>
+            <a:fillRect/>
+          </a:stretch>
+        </p:blipFill>
+        <p:spPr>
+          <a:xfrm>
+            <a:off x="8303467" y="1657240"/>
+            <a:ext cx="3165132" cy="3165132"/>
+          </a:xfrm>
+          <a:prstGeom prst="rect">
+            <a:avLst/>
+          </a:prstGeom>
+        </p:spPr>
+      </p:pic>
+      <p:sp>
+        <p:nvSpPr>
+          <p:cNvPr id="4" name="文字方塊 3">
+            <a:extLst>
+              <a:ext uri="{FF2B5EF4-FFF2-40B4-BE49-F238E27FC236}">
+                <a16:creationId xmlns:a16="http://schemas.microsoft.com/office/drawing/2014/main" id="{7459C799-E8C7-DB7A-CA89-C1F279AD5C42}"/>
+              </a:ext>
+            </a:extLst>
+          </p:cNvPr>
+          <p:cNvSpPr txBox="1"/>
+          <p:nvPr/>
+        </p:nvSpPr>
+        <p:spPr>
+          <a:xfrm>
+            <a:off x="8884797" y="4752387"/>
+            <a:ext cx="2002471" cy="523220"/>
+          </a:xfrm>
+          <a:prstGeom prst="rect">
+            <a:avLst/>
+          </a:prstGeom>
+          <a:noFill/>
+        </p:spPr>
+        <p:txBody>
+          <a:bodyPr wrap="none" rtlCol="0">
+            <a:spAutoFit/>
+          </a:bodyPr>
+          <a:lstStyle/>
+          <a:p>
+            <a:r>
+              <a:rPr lang="en-US" altLang="zh-TW" sz="2800" b="1" dirty="0" err="1">
+                <a:latin typeface="Times New Roman" panose="02020603050405020304" pitchFamily="18" charset="0"/>
+                <a:ea typeface="標楷體" panose="03000509000000000000" pitchFamily="65" charset="-120"/>
+                <a:cs typeface="Times New Roman" panose="02020603050405020304" pitchFamily="18" charset="0"/>
+              </a:rPr>
+              <a:t>Github</a:t>
+            </a:r>
+            <a:r>
+              <a:rPr lang="zh-TW" altLang="en-US" sz="2800" b="1" dirty="0">
+                <a:latin typeface="Times New Roman" panose="02020603050405020304" pitchFamily="18" charset="0"/>
+                <a:ea typeface="標楷體" panose="03000509000000000000" pitchFamily="65" charset="-120"/>
+                <a:cs typeface="Times New Roman" panose="02020603050405020304" pitchFamily="18" charset="0"/>
+              </a:rPr>
+              <a:t>連結</a:t>
+            </a:r>
+          </a:p>
+        </p:txBody>
+      </p:sp>
     </p:spTree>
     <p:extLst>
       <p:ext uri="{BB962C8B-B14F-4D97-AF65-F5344CB8AC3E}">
         <p14:creationId xmlns:p14="http://schemas.microsoft.com/office/powerpoint/2010/main" val="2030791581"/>
+      </p:ext>
+    </p:extLst>
+  </p:cSld>
+  <p:clrMapOvr>
+    <a:masterClrMapping/>
+  </p:clrMapOvr>
+</p:sld>
+</file>
+
+<file path=ppt/slides/slide14.xml><?xml version="1.0" encoding="utf-8"?>
+<p:sld xmlns:a="http://schemas.openxmlformats.org/drawingml/2006/main" xmlns:r="http://schemas.openxmlformats.org/officeDocument/2006/relationships" xmlns:p="http://schemas.openxmlformats.org/presentationml/2006/main">
+  <p:cSld>
+    <p:spTree>
+      <p:nvGrpSpPr>
+        <p:cNvPr id="1" name=""/>
+        <p:cNvGrpSpPr/>
+        <p:nvPr/>
+      </p:nvGrpSpPr>
+      <p:grpSpPr>
+        <a:xfrm>
+          <a:off x="0" y="0"/>
+          <a:ext cx="0" cy="0"/>
+          <a:chOff x="0" y="0"/>
+          <a:chExt cx="0" cy="0"/>
+        </a:xfrm>
+      </p:grpSpPr>
+      <p:cxnSp>
+        <p:nvCxnSpPr>
+          <p:cNvPr id="5" name="直線接點 4">
+            <a:extLst>
+              <a:ext uri="{FF2B5EF4-FFF2-40B4-BE49-F238E27FC236}">
+                <a16:creationId xmlns:a16="http://schemas.microsoft.com/office/drawing/2014/main" id="{246C9991-691B-2822-7159-8CAD2CA67254}"/>
+              </a:ext>
+            </a:extLst>
+          </p:cNvPr>
+          <p:cNvCxnSpPr/>
+          <p:nvPr/>
+        </p:nvCxnSpPr>
+        <p:spPr>
+          <a:xfrm>
+            <a:off x="0" y="1034469"/>
+            <a:ext cx="12192000" cy="0"/>
+          </a:xfrm>
+          <a:prstGeom prst="line">
+            <a:avLst/>
+          </a:prstGeom>
+          <a:ln w="19050"/>
+        </p:spPr>
+        <p:style>
+          <a:lnRef idx="1">
+            <a:schemeClr val="accent2"/>
+          </a:lnRef>
+          <a:fillRef idx="0">
+            <a:schemeClr val="accent2"/>
+          </a:fillRef>
+          <a:effectRef idx="0">
+            <a:schemeClr val="accent2"/>
+          </a:effectRef>
+          <a:fontRef idx="minor">
+            <a:schemeClr val="tx1"/>
+          </a:fontRef>
+        </p:style>
+      </p:cxnSp>
+      <p:sp>
+        <p:nvSpPr>
+          <p:cNvPr id="7" name="投影片編號版面配置區 6">
+            <a:extLst>
+              <a:ext uri="{FF2B5EF4-FFF2-40B4-BE49-F238E27FC236}">
+                <a16:creationId xmlns:a16="http://schemas.microsoft.com/office/drawing/2014/main" id="{3D68E2C9-05A2-463A-8257-CBDC4E52E734}"/>
+              </a:ext>
+            </a:extLst>
+          </p:cNvPr>
+          <p:cNvSpPr>
+            <a:spLocks noGrp="1"/>
+          </p:cNvSpPr>
+          <p:nvPr>
+            <p:ph type="sldNum" sz="quarter" idx="12"/>
+          </p:nvPr>
+        </p:nvSpPr>
+        <p:spPr/>
+        <p:txBody>
+          <a:bodyPr/>
+          <a:lstStyle/>
+          <a:p>
+            <a:fld id="{80068EC2-3CFE-4C3C-8D83-4EFCC45E8791}" type="slidenum">
+              <a:rPr lang="zh-TW" altLang="en-US" smtClean="0"/>
+              <a:t>14</a:t>
+            </a:fld>
+            <a:endParaRPr lang="zh-TW" altLang="en-US"/>
+          </a:p>
+        </p:txBody>
+      </p:sp>
+      <p:sp>
+        <p:nvSpPr>
+          <p:cNvPr id="2" name="文字方塊 1">
+            <a:extLst>
+              <a:ext uri="{FF2B5EF4-FFF2-40B4-BE49-F238E27FC236}">
+                <a16:creationId xmlns:a16="http://schemas.microsoft.com/office/drawing/2014/main" id="{B59E7B7F-767D-ADCC-7712-58CA4F508979}"/>
+              </a:ext>
+            </a:extLst>
+          </p:cNvPr>
+          <p:cNvSpPr txBox="1"/>
+          <p:nvPr/>
+        </p:nvSpPr>
+        <p:spPr>
+          <a:xfrm>
+            <a:off x="2644670" y="3187578"/>
+            <a:ext cx="6902659" cy="1015663"/>
+          </a:xfrm>
+          <a:prstGeom prst="rect">
+            <a:avLst/>
+          </a:prstGeom>
+          <a:noFill/>
+        </p:spPr>
+        <p:txBody>
+          <a:bodyPr wrap="none" rtlCol="0">
+            <a:spAutoFit/>
+          </a:bodyPr>
+          <a:lstStyle/>
+          <a:p>
+            <a:r>
+              <a:rPr lang="en-US" altLang="zh-TW" sz="6000" dirty="0">
+                <a:latin typeface="Times New Roman" panose="02020603050405020304" pitchFamily="18" charset="0"/>
+                <a:cs typeface="Times New Roman" panose="02020603050405020304" pitchFamily="18" charset="0"/>
+              </a:rPr>
+              <a:t>Thanks for Watching!</a:t>
+            </a:r>
+            <a:endParaRPr lang="zh-TW" altLang="en-US" sz="6000" dirty="0">
+              <a:latin typeface="Times New Roman" panose="02020603050405020304" pitchFamily="18" charset="0"/>
+              <a:cs typeface="Times New Roman" panose="02020603050405020304" pitchFamily="18" charset="0"/>
+            </a:endParaRPr>
+          </a:p>
+        </p:txBody>
+      </p:sp>
+    </p:spTree>
+    <p:extLst>
+      <p:ext uri="{BB962C8B-B14F-4D97-AF65-F5344CB8AC3E}">
+        <p14:creationId xmlns:p14="http://schemas.microsoft.com/office/powerpoint/2010/main" val="417403060"/>
       </p:ext>
     </p:extLst>
   </p:cSld>
